--- a/study/2022-2023/Mathematical modelling/mathmod/group-project/Образование планетной системы, этап 2.pptx
+++ b/study/2022-2023/Mathematical modelling/mathmod/group-project/Образование планетной системы, этап 2.pptx
@@ -9,10 +9,9 @@
     <p:sldId id="258" r:id="rId3"/>
     <p:sldId id="259" r:id="rId4"/>
     <p:sldId id="261" r:id="rId5"/>
-    <p:sldId id="262" r:id="rId6"/>
-    <p:sldId id="263" r:id="rId7"/>
-    <p:sldId id="264" r:id="rId8"/>
-    <p:sldId id="265" r:id="rId9"/>
+    <p:sldId id="263" r:id="rId6"/>
+    <p:sldId id="264" r:id="rId7"/>
+    <p:sldId id="265" r:id="rId8"/>
   </p:sldIdLst>
   <p:sldSz cx="12192000" cy="6858000"/>
   <p:notesSz cx="6858000" cy="9144000"/>
@@ -111,6 +110,11 @@
       </a:defRPr>
     </a:lvl9pPr>
   </p:defaultTextStyle>
+  <p:extLst>
+    <p:ext uri="{EFAFB233-063F-42B5-8137-9DF3F51BA10A}">
+      <p15:sldGuideLst xmlns:p15="http://schemas.microsoft.com/office/powerpoint/2012/main"/>
+    </p:ext>
+  </p:extLst>
 </p:presentation>
 </file>
 
@@ -299,7 +303,7 @@
           <a:p>
             <a:fld id="{EA44F5E8-5BB3-43D4-9923-857A6996A33E}" type="datetimeFigureOut">
               <a:rPr lang="ru-RU" smtClean="0"/>
-              <a:t>03.03.2023</a:t>
+              <a:t>09.03.2023</a:t>
             </a:fld>
             <a:endParaRPr lang="ru-RU"/>
           </a:p>
@@ -597,7 +601,7 @@
           <a:p>
             <a:fld id="{EA44F5E8-5BB3-43D4-9923-857A6996A33E}" type="datetimeFigureOut">
               <a:rPr lang="ru-RU" smtClean="0"/>
-              <a:t>03.03.2023</a:t>
+              <a:t>09.03.2023</a:t>
             </a:fld>
             <a:endParaRPr lang="ru-RU"/>
           </a:p>
@@ -789,7 +793,7 @@
           <a:p>
             <a:fld id="{EA44F5E8-5BB3-43D4-9923-857A6996A33E}" type="datetimeFigureOut">
               <a:rPr lang="ru-RU" smtClean="0"/>
-              <a:t>03.03.2023</a:t>
+              <a:t>09.03.2023</a:t>
             </a:fld>
             <a:endParaRPr lang="ru-RU"/>
           </a:p>
@@ -1050,7 +1054,7 @@
           <a:p>
             <a:fld id="{EA44F5E8-5BB3-43D4-9923-857A6996A33E}" type="datetimeFigureOut">
               <a:rPr lang="ru-RU" smtClean="0"/>
-              <a:t>03.03.2023</a:t>
+              <a:t>09.03.2023</a:t>
             </a:fld>
             <a:endParaRPr lang="ru-RU"/>
           </a:p>
@@ -1474,7 +1478,7 @@
           <a:p>
             <a:fld id="{EA44F5E8-5BB3-43D4-9923-857A6996A33E}" type="datetimeFigureOut">
               <a:rPr lang="ru-RU" smtClean="0"/>
-              <a:t>03.03.2023</a:t>
+              <a:t>09.03.2023</a:t>
             </a:fld>
             <a:endParaRPr lang="ru-RU"/>
           </a:p>
@@ -2011,7 +2015,7 @@
           <a:p>
             <a:fld id="{EA44F5E8-5BB3-43D4-9923-857A6996A33E}" type="datetimeFigureOut">
               <a:rPr lang="ru-RU" smtClean="0"/>
-              <a:t>03.03.2023</a:t>
+              <a:t>09.03.2023</a:t>
             </a:fld>
             <a:endParaRPr lang="ru-RU"/>
           </a:p>
@@ -2875,7 +2879,7 @@
           <a:p>
             <a:fld id="{EA44F5E8-5BB3-43D4-9923-857A6996A33E}" type="datetimeFigureOut">
               <a:rPr lang="ru-RU" smtClean="0"/>
-              <a:t>03.03.2023</a:t>
+              <a:t>09.03.2023</a:t>
             </a:fld>
             <a:endParaRPr lang="ru-RU"/>
           </a:p>
@@ -3045,7 +3049,7 @@
           <a:p>
             <a:fld id="{EA44F5E8-5BB3-43D4-9923-857A6996A33E}" type="datetimeFigureOut">
               <a:rPr lang="ru-RU" smtClean="0"/>
-              <a:t>03.03.2023</a:t>
+              <a:t>09.03.2023</a:t>
             </a:fld>
             <a:endParaRPr lang="ru-RU"/>
           </a:p>
@@ -3229,7 +3233,7 @@
           <a:p>
             <a:fld id="{EA44F5E8-5BB3-43D4-9923-857A6996A33E}" type="datetimeFigureOut">
               <a:rPr lang="ru-RU" smtClean="0"/>
-              <a:t>03.03.2023</a:t>
+              <a:t>09.03.2023</a:t>
             </a:fld>
             <a:endParaRPr lang="ru-RU"/>
           </a:p>
@@ -3399,7 +3403,7 @@
           <a:p>
             <a:fld id="{EA44F5E8-5BB3-43D4-9923-857A6996A33E}" type="datetimeFigureOut">
               <a:rPr lang="ru-RU" smtClean="0"/>
-              <a:t>03.03.2023</a:t>
+              <a:t>09.03.2023</a:t>
             </a:fld>
             <a:endParaRPr lang="ru-RU"/>
           </a:p>
@@ -3643,7 +3647,7 @@
           <a:p>
             <a:fld id="{EA44F5E8-5BB3-43D4-9923-857A6996A33E}" type="datetimeFigureOut">
               <a:rPr lang="ru-RU" smtClean="0"/>
-              <a:t>03.03.2023</a:t>
+              <a:t>09.03.2023</a:t>
             </a:fld>
             <a:endParaRPr lang="ru-RU"/>
           </a:p>
@@ -3879,7 +3883,7 @@
           <a:p>
             <a:fld id="{EA44F5E8-5BB3-43D4-9923-857A6996A33E}" type="datetimeFigureOut">
               <a:rPr lang="ru-RU" smtClean="0"/>
-              <a:t>03.03.2023</a:t>
+              <a:t>09.03.2023</a:t>
             </a:fld>
             <a:endParaRPr lang="ru-RU"/>
           </a:p>
@@ -4345,7 +4349,7 @@
           <a:p>
             <a:fld id="{EA44F5E8-5BB3-43D4-9923-857A6996A33E}" type="datetimeFigureOut">
               <a:rPr lang="ru-RU" smtClean="0"/>
-              <a:t>03.03.2023</a:t>
+              <a:t>09.03.2023</a:t>
             </a:fld>
             <a:endParaRPr lang="ru-RU"/>
           </a:p>
@@ -4463,7 +4467,7 @@
           <a:p>
             <a:fld id="{EA44F5E8-5BB3-43D4-9923-857A6996A33E}" type="datetimeFigureOut">
               <a:rPr lang="ru-RU" smtClean="0"/>
-              <a:t>03.03.2023</a:t>
+              <a:t>09.03.2023</a:t>
             </a:fld>
             <a:endParaRPr lang="ru-RU"/>
           </a:p>
@@ -4558,7 +4562,7 @@
           <a:p>
             <a:fld id="{EA44F5E8-5BB3-43D4-9923-857A6996A33E}" type="datetimeFigureOut">
               <a:rPr lang="ru-RU" smtClean="0"/>
-              <a:t>03.03.2023</a:t>
+              <a:t>09.03.2023</a:t>
             </a:fld>
             <a:endParaRPr lang="ru-RU"/>
           </a:p>
@@ -4813,7 +4817,7 @@
           <a:p>
             <a:fld id="{EA44F5E8-5BB3-43D4-9923-857A6996A33E}" type="datetimeFigureOut">
               <a:rPr lang="ru-RU" smtClean="0"/>
-              <a:t>03.03.2023</a:t>
+              <a:t>09.03.2023</a:t>
             </a:fld>
             <a:endParaRPr lang="ru-RU"/>
           </a:p>
@@ -5113,7 +5117,7 @@
           <a:p>
             <a:fld id="{EA44F5E8-5BB3-43D4-9923-857A6996A33E}" type="datetimeFigureOut">
               <a:rPr lang="ru-RU" smtClean="0"/>
-              <a:t>03.03.2023</a:t>
+              <a:t>09.03.2023</a:t>
             </a:fld>
             <a:endParaRPr lang="ru-RU"/>
           </a:p>
@@ -5347,7 +5351,7 @@
           <a:p>
             <a:fld id="{EA44F5E8-5BB3-43D4-9923-857A6996A33E}" type="datetimeFigureOut">
               <a:rPr lang="ru-RU" smtClean="0"/>
-              <a:t>03.03.2023</a:t>
+              <a:t>09.03.2023</a:t>
             </a:fld>
             <a:endParaRPr lang="ru-RU"/>
           </a:p>
@@ -6322,8 +6326,8 @@
           </a:extLst>
         </p:spPr>
       </p:pic>
-      <mc:AlternateContent xmlns:mc="http://schemas.openxmlformats.org/markup-compatibility/2006">
-        <mc:Choice xmlns:a14="http://schemas.microsoft.com/office/drawing/2010/main" Requires="a14">
+      <mc:AlternateContent xmlns:mc="http://schemas.openxmlformats.org/markup-compatibility/2006" xmlns:a14="http://schemas.microsoft.com/office/drawing/2010/main">
+        <mc:Choice Requires="a14">
           <p:sp>
             <p:nvSpPr>
               <p:cNvPr id="3" name="Объект 2">
@@ -6612,7 +6616,7 @@
             </p:txBody>
           </p:sp>
         </mc:Choice>
-        <mc:Fallback>
+        <mc:Fallback xmlns="">
           <p:sp>
             <p:nvSpPr>
               <p:cNvPr id="3" name="Объект 2">
@@ -6824,8 +6828,8 @@
           </a:prstGeom>
         </p:spPr>
       </p:pic>
-      <mc:AlternateContent xmlns:mc="http://schemas.openxmlformats.org/markup-compatibility/2006">
-        <mc:Choice xmlns:a14="http://schemas.microsoft.com/office/drawing/2010/main" Requires="a14">
+      <mc:AlternateContent xmlns:mc="http://schemas.openxmlformats.org/markup-compatibility/2006" xmlns:a14="http://schemas.microsoft.com/office/drawing/2010/main">
+        <mc:Choice Requires="a14">
           <p:sp>
             <p:nvSpPr>
               <p:cNvPr id="3" name="Объект 2">
@@ -7232,7 +7236,7 @@
             </p:txBody>
           </p:sp>
         </mc:Choice>
-        <mc:Fallback>
+        <mc:Fallback xmlns="">
           <p:sp>
             <p:nvSpPr>
               <p:cNvPr id="3" name="Объект 2">
@@ -7389,14 +7393,15 @@
         </p:spPr>
         <p:txBody>
           <a:bodyPr>
-            <a:normAutofit/>
+            <a:normAutofit fontScale="90000"/>
           </a:bodyPr>
           <a:lstStyle/>
           <a:p>
             <a:r>
-              <a:rPr lang="ru-RU" sz="3700" dirty="0"/>
-              <a:t>Дальнейшее развитие</a:t>
-            </a:r>
+              <a:rPr lang="ru-RU" sz="3600" dirty="0"/>
+              <a:t>Развитие газовых гигантов</a:t>
+            </a:r>
+            <a:endParaRPr lang="ru-RU" sz="3700" dirty="0"/>
           </a:p>
         </p:txBody>
       </p:sp>
@@ -7470,529 +7475,7 @@
             </p:spPr>
             <p:txBody>
               <a:bodyPr anchor="ctr">
-                <a:normAutofit/>
-              </a:bodyPr>
-              <a:lstStyle/>
-              <a:p>
-                <a:pPr marL="628650" indent="-285750">
-                  <a:lnSpc>
-                    <a:spcPct val="107000"/>
-                  </a:lnSpc>
-                  <a:spcAft>
-                    <a:spcPts val="800"/>
-                  </a:spcAft>
-                </a:pPr>
-                <a:r>
-                  <a:rPr lang="ru-RU" sz="1800" dirty="0">
-                    <a:effectLst/>
-                    <a:latin typeface="Times New Roman" panose="02020603050405020304" pitchFamily="18" charset="0"/>
-                    <a:ea typeface="Calibri" panose="020F0502020204030204" pitchFamily="34" charset="0"/>
-                    <a:cs typeface="Times New Roman" panose="02020603050405020304" pitchFamily="18" charset="0"/>
-                  </a:rPr>
-                  <a:t>Расти такие тела могут не до бесконечности, а ровно до того момента пока есть небольшие </a:t>
-                </a:r>
-                <a:r>
-                  <a:rPr lang="ru-RU" sz="1800" dirty="0" err="1">
-                    <a:effectLst/>
-                    <a:latin typeface="Times New Roman" panose="02020603050405020304" pitchFamily="18" charset="0"/>
-                    <a:ea typeface="Calibri" panose="020F0502020204030204" pitchFamily="34" charset="0"/>
-                    <a:cs typeface="Times New Roman" panose="02020603050405020304" pitchFamily="18" charset="0"/>
-                  </a:rPr>
-                  <a:t>планетозимали</a:t>
-                </a:r>
-                <a:r>
-                  <a:rPr lang="ru-RU" sz="1800" dirty="0">
-                    <a:effectLst/>
-                    <a:latin typeface="Times New Roman" panose="02020603050405020304" pitchFamily="18" charset="0"/>
-                    <a:ea typeface="Calibri" panose="020F0502020204030204" pitchFamily="34" charset="0"/>
-                    <a:cs typeface="Times New Roman" panose="02020603050405020304" pitchFamily="18" charset="0"/>
-                  </a:rPr>
-                  <a:t> в их окрестностях, пограничная масса при этом получается:</a:t>
-                </a:r>
-                <a:endParaRPr lang="ru-RU" sz="1800" dirty="0">
-                  <a:effectLst/>
-                  <a:latin typeface="Calibri" panose="020F0502020204030204" pitchFamily="34" charset="0"/>
-                  <a:ea typeface="Calibri" panose="020F0502020204030204" pitchFamily="34" charset="0"/>
-                  <a:cs typeface="Times New Roman" panose="02020603050405020304" pitchFamily="18" charset="0"/>
-                </a:endParaRPr>
-              </a:p>
-              <a:p>
-                <a:pPr indent="0">
-                  <a:lnSpc>
-                    <a:spcPct val="107000"/>
-                  </a:lnSpc>
-                  <a:spcAft>
-                    <a:spcPts val="800"/>
-                  </a:spcAft>
-                  <a:buNone/>
-                </a:pPr>
-                <a14:m>
-                  <m:oMathPara xmlns:m="http://schemas.openxmlformats.org/officeDocument/2006/math">
-                    <m:oMathParaPr>
-                      <m:jc m:val="centerGroup"/>
-                    </m:oMathParaPr>
-                    <m:oMath xmlns:m="http://schemas.openxmlformats.org/officeDocument/2006/math">
-                      <m:r>
-                        <a:rPr lang="ru-RU" sz="1800" i="1">
-                          <a:effectLst/>
-                          <a:latin typeface="Cambria Math" panose="02040503050406030204" pitchFamily="18" charset="0"/>
-                          <a:ea typeface="Calibri" panose="020F0502020204030204" pitchFamily="34" charset="0"/>
-                          <a:cs typeface="Times New Roman" panose="02020603050405020304" pitchFamily="18" charset="0"/>
-                        </a:rPr>
-                        <m:t>𝑀</m:t>
-                      </m:r>
-                      <m:r>
-                        <a:rPr lang="ru-RU" sz="1800" i="1">
-                          <a:effectLst/>
-                          <a:latin typeface="Cambria Math" panose="02040503050406030204" pitchFamily="18" charset="0"/>
-                          <a:ea typeface="Calibri" panose="020F0502020204030204" pitchFamily="34" charset="0"/>
-                          <a:cs typeface="Times New Roman" panose="02020603050405020304" pitchFamily="18" charset="0"/>
-                        </a:rPr>
-                        <m:t>=</m:t>
-                      </m:r>
-                      <m:f>
-                        <m:fPr>
-                          <m:ctrlPr>
-                            <a:rPr lang="ru-RU" sz="1800" i="1">
-                              <a:effectLst/>
-                              <a:latin typeface="Cambria Math" panose="02040503050406030204" pitchFamily="18" charset="0"/>
-                              <a:ea typeface="Calibri" panose="020F0502020204030204" pitchFamily="34" charset="0"/>
-                              <a:cs typeface="Times New Roman" panose="02020603050405020304" pitchFamily="18" charset="0"/>
-                            </a:rPr>
-                          </m:ctrlPr>
-                        </m:fPr>
-                        <m:num>
-                          <m:rad>
-                            <m:radPr>
-                              <m:degHide m:val="on"/>
-                              <m:ctrlPr>
-                                <a:rPr lang="ru-RU" sz="1800" i="1">
-                                  <a:effectLst/>
-                                  <a:latin typeface="Cambria Math" panose="02040503050406030204" pitchFamily="18" charset="0"/>
-                                  <a:ea typeface="Calibri" panose="020F0502020204030204" pitchFamily="34" charset="0"/>
-                                  <a:cs typeface="Times New Roman" panose="02020603050405020304" pitchFamily="18" charset="0"/>
-                                </a:rPr>
-                              </m:ctrlPr>
-                            </m:radPr>
-                            <m:deg/>
-                            <m:e>
-                              <m:r>
-                                <a:rPr lang="ru-RU" sz="1800" i="1">
-                                  <a:effectLst/>
-                                  <a:latin typeface="Cambria Math" panose="02040503050406030204" pitchFamily="18" charset="0"/>
-                                  <a:ea typeface="Calibri" panose="020F0502020204030204" pitchFamily="34" charset="0"/>
-                                  <a:cs typeface="Times New Roman" panose="02020603050405020304" pitchFamily="18" charset="0"/>
-                                </a:rPr>
-                                <m:t>𝑀</m:t>
-                              </m:r>
-                            </m:e>
-                          </m:rad>
-                          <m:sSup>
-                            <m:sSupPr>
-                              <m:ctrlPr>
-                                <a:rPr lang="ru-RU" sz="1800" i="1">
-                                  <a:effectLst/>
-                                  <a:latin typeface="Cambria Math" panose="02040503050406030204" pitchFamily="18" charset="0"/>
-                                  <a:ea typeface="Calibri" panose="020F0502020204030204" pitchFamily="34" charset="0"/>
-                                  <a:cs typeface="Times New Roman" panose="02020603050405020304" pitchFamily="18" charset="0"/>
-                                </a:rPr>
-                              </m:ctrlPr>
-                            </m:sSupPr>
-                            <m:e>
-                              <m:d>
-                                <m:dPr>
-                                  <m:ctrlPr>
-                                    <a:rPr lang="ru-RU" sz="1800" i="1">
-                                      <a:effectLst/>
-                                      <a:latin typeface="Cambria Math" panose="02040503050406030204" pitchFamily="18" charset="0"/>
-                                      <a:ea typeface="Calibri" panose="020F0502020204030204" pitchFamily="34" charset="0"/>
-                                      <a:cs typeface="Times New Roman" panose="02020603050405020304" pitchFamily="18" charset="0"/>
-                                    </a:rPr>
-                                  </m:ctrlPr>
-                                </m:dPr>
-                                <m:e>
-                                  <m:r>
-                                    <a:rPr lang="ru-RU" sz="1800" i="1">
-                                      <a:effectLst/>
-                                      <a:latin typeface="Cambria Math" panose="02040503050406030204" pitchFamily="18" charset="0"/>
-                                      <a:ea typeface="Calibri" panose="020F0502020204030204" pitchFamily="34" charset="0"/>
-                                      <a:cs typeface="Times New Roman" panose="02020603050405020304" pitchFamily="18" charset="0"/>
-                                    </a:rPr>
-                                    <m:t>4</m:t>
-                                  </m:r>
-                                  <m:r>
-                                    <a:rPr lang="ru-RU" sz="1800" i="1">
-                                      <a:effectLst/>
-                                      <a:latin typeface="Cambria Math" panose="02040503050406030204" pitchFamily="18" charset="0"/>
-                                      <a:ea typeface="Calibri" panose="020F0502020204030204" pitchFamily="34" charset="0"/>
-                                      <a:cs typeface="Times New Roman" panose="02020603050405020304" pitchFamily="18" charset="0"/>
-                                    </a:rPr>
-                                    <m:t>𝜋</m:t>
-                                  </m:r>
-                                  <m:sSup>
-                                    <m:sSupPr>
-                                      <m:ctrlPr>
-                                        <a:rPr lang="ru-RU" sz="1800" i="1">
-                                          <a:effectLst/>
-                                          <a:latin typeface="Cambria Math" panose="02040503050406030204" pitchFamily="18" charset="0"/>
-                                          <a:ea typeface="Calibri" panose="020F0502020204030204" pitchFamily="34" charset="0"/>
-                                          <a:cs typeface="Times New Roman" panose="02020603050405020304" pitchFamily="18" charset="0"/>
-                                        </a:rPr>
-                                      </m:ctrlPr>
-                                    </m:sSupPr>
-                                    <m:e>
-                                      <m:r>
-                                        <a:rPr lang="ru-RU" sz="1800" i="1">
-                                          <a:effectLst/>
-                                          <a:latin typeface="Cambria Math" panose="02040503050406030204" pitchFamily="18" charset="0"/>
-                                          <a:ea typeface="Calibri" panose="020F0502020204030204" pitchFamily="34" charset="0"/>
-                                          <a:cs typeface="Times New Roman" panose="02020603050405020304" pitchFamily="18" charset="0"/>
-                                        </a:rPr>
-                                        <m:t>𝑎</m:t>
-                                      </m:r>
-                                    </m:e>
-                                    <m:sup>
-                                      <m:r>
-                                        <a:rPr lang="ru-RU" sz="1800" i="1">
-                                          <a:effectLst/>
-                                          <a:latin typeface="Cambria Math" panose="02040503050406030204" pitchFamily="18" charset="0"/>
-                                          <a:ea typeface="Calibri" panose="020F0502020204030204" pitchFamily="34" charset="0"/>
-                                          <a:cs typeface="Times New Roman" panose="02020603050405020304" pitchFamily="18" charset="0"/>
-                                        </a:rPr>
-                                        <m:t>3</m:t>
-                                      </m:r>
-                                    </m:sup>
-                                  </m:sSup>
-                                  <m:nary>
-                                    <m:naryPr>
-                                      <m:chr m:val="∑"/>
-                                      <m:supHide m:val="on"/>
-                                      <m:ctrlPr>
-                                        <a:rPr lang="ru-RU" sz="1800" i="1">
-                                          <a:effectLst/>
-                                          <a:latin typeface="Cambria Math" panose="02040503050406030204" pitchFamily="18" charset="0"/>
-                                          <a:ea typeface="Calibri" panose="020F0502020204030204" pitchFamily="34" charset="0"/>
-                                          <a:cs typeface="Times New Roman" panose="02020603050405020304" pitchFamily="18" charset="0"/>
-                                        </a:rPr>
-                                      </m:ctrlPr>
-                                    </m:naryPr>
-                                    <m:sub>
-                                      <m:r>
-                                        <a:rPr lang="en-US" sz="1800" i="1">
-                                          <a:effectLst/>
-                                          <a:latin typeface="Cambria Math" panose="02040503050406030204" pitchFamily="18" charset="0"/>
-                                          <a:ea typeface="Calibri" panose="020F0502020204030204" pitchFamily="34" charset="0"/>
-                                          <a:cs typeface="Times New Roman" panose="02020603050405020304" pitchFamily="18" charset="0"/>
-                                        </a:rPr>
-                                        <m:t>𝑝</m:t>
-                                      </m:r>
-                                    </m:sub>
-                                    <m:sup/>
-                                    <m:e>
-                                      <m:r>
-                                        <m:rPr>
-                                          <m:lit/>
-                                        </m:rPr>
-                                        <a:rPr lang="en-US" sz="1800" i="1">
-                                          <a:effectLst/>
-                                          <a:latin typeface="Cambria Math" panose="02040503050406030204" pitchFamily="18" charset="0"/>
-                                          <a:ea typeface="Calibri" panose="020F0502020204030204" pitchFamily="34" charset="0"/>
-                                          <a:cs typeface="Times New Roman" panose="02020603050405020304" pitchFamily="18" charset="0"/>
-                                        </a:rPr>
-                                        <m:t> </m:t>
-                                      </m:r>
-                                    </m:e>
-                                  </m:nary>
-                                </m:e>
-                              </m:d>
-                            </m:e>
-                            <m:sup>
-                              <m:f>
-                                <m:fPr>
-                                  <m:ctrlPr>
-                                    <a:rPr lang="ru-RU" sz="1800" i="1">
-                                      <a:effectLst/>
-                                      <a:latin typeface="Cambria Math" panose="02040503050406030204" pitchFamily="18" charset="0"/>
-                                      <a:ea typeface="Calibri" panose="020F0502020204030204" pitchFamily="34" charset="0"/>
-                                      <a:cs typeface="Times New Roman" panose="02020603050405020304" pitchFamily="18" charset="0"/>
-                                    </a:rPr>
-                                  </m:ctrlPr>
-                                </m:fPr>
-                                <m:num>
-                                  <m:r>
-                                    <a:rPr lang="ru-RU" sz="1800" i="1">
-                                      <a:effectLst/>
-                                      <a:latin typeface="Cambria Math" panose="02040503050406030204" pitchFamily="18" charset="0"/>
-                                      <a:ea typeface="Calibri" panose="020F0502020204030204" pitchFamily="34" charset="0"/>
-                                      <a:cs typeface="Times New Roman" panose="02020603050405020304" pitchFamily="18" charset="0"/>
-                                    </a:rPr>
-                                    <m:t>3</m:t>
-                                  </m:r>
-                                </m:num>
-                                <m:den>
-                                  <m:r>
-                                    <a:rPr lang="ru-RU" sz="1800" i="1">
-                                      <a:effectLst/>
-                                      <a:latin typeface="Cambria Math" panose="02040503050406030204" pitchFamily="18" charset="0"/>
-                                      <a:ea typeface="Calibri" panose="020F0502020204030204" pitchFamily="34" charset="0"/>
-                                      <a:cs typeface="Times New Roman" panose="02020603050405020304" pitchFamily="18" charset="0"/>
-                                    </a:rPr>
-                                    <m:t>2</m:t>
-                                  </m:r>
-                                </m:den>
-                              </m:f>
-                            </m:sup>
-                          </m:sSup>
-                        </m:num>
-                        <m:den>
-                          <m:r>
-                            <a:rPr lang="ru-RU" sz="1800" i="1">
-                              <a:effectLst/>
-                              <a:latin typeface="Cambria Math" panose="02040503050406030204" pitchFamily="18" charset="0"/>
-                              <a:ea typeface="Calibri" panose="020F0502020204030204" pitchFamily="34" charset="0"/>
-                              <a:cs typeface="Times New Roman" panose="02020603050405020304" pitchFamily="18" charset="0"/>
-                            </a:rPr>
-                            <m:t>3</m:t>
-                          </m:r>
-                          <m:sSub>
-                            <m:sSubPr>
-                              <m:ctrlPr>
-                                <a:rPr lang="ru-RU" sz="1800" i="1">
-                                  <a:effectLst/>
-                                  <a:latin typeface="Cambria Math" panose="02040503050406030204" pitchFamily="18" charset="0"/>
-                                  <a:ea typeface="Calibri" panose="020F0502020204030204" pitchFamily="34" charset="0"/>
-                                  <a:cs typeface="Times New Roman" panose="02020603050405020304" pitchFamily="18" charset="0"/>
-                                </a:rPr>
-                              </m:ctrlPr>
-                            </m:sSubPr>
-                            <m:e>
-                              <m:r>
-                                <a:rPr lang="ru-RU" sz="1800" i="1">
-                                  <a:effectLst/>
-                                  <a:latin typeface="Cambria Math" panose="02040503050406030204" pitchFamily="18" charset="0"/>
-                                  <a:ea typeface="Calibri" panose="020F0502020204030204" pitchFamily="34" charset="0"/>
-                                  <a:cs typeface="Times New Roman" panose="02020603050405020304" pitchFamily="18" charset="0"/>
-                                </a:rPr>
-                                <m:t>𝑀</m:t>
-                              </m:r>
-                            </m:e>
-                            <m:sub>
-                              <m:r>
-                                <a:rPr lang="ru-RU" sz="1800" i="1">
-                                  <a:effectLst/>
-                                  <a:latin typeface="Cambria Math" panose="02040503050406030204" pitchFamily="18" charset="0"/>
-                                  <a:ea typeface="Calibri" panose="020F0502020204030204" pitchFamily="34" charset="0"/>
-                                  <a:cs typeface="Times New Roman" panose="02020603050405020304" pitchFamily="18" charset="0"/>
-                                </a:rPr>
-                                <m:t>∗</m:t>
-                              </m:r>
-                            </m:sub>
-                          </m:sSub>
-                        </m:den>
-                      </m:f>
-                    </m:oMath>
-                  </m:oMathPara>
-                </a14:m>
-                <a:endParaRPr lang="ru-RU" sz="1800" dirty="0">
-                  <a:effectLst/>
-                  <a:latin typeface="Calibri" panose="020F0502020204030204" pitchFamily="34" charset="0"/>
-                  <a:ea typeface="Calibri" panose="020F0502020204030204" pitchFamily="34" charset="0"/>
-                  <a:cs typeface="Times New Roman" panose="02020603050405020304" pitchFamily="18" charset="0"/>
-                </a:endParaRPr>
-              </a:p>
-              <a:p>
-                <a:pPr marL="628650" indent="-285750">
-                  <a:lnSpc>
-                    <a:spcPct val="107000"/>
-                  </a:lnSpc>
-                  <a:spcAft>
-                    <a:spcPts val="800"/>
-                  </a:spcAft>
-                </a:pPr>
-                <a:r>
-                  <a:rPr lang="ru-RU" sz="1600" dirty="0">
-                    <a:effectLst/>
-                    <a:latin typeface="Times New Roman" panose="02020603050405020304" pitchFamily="18" charset="0"/>
-                    <a:ea typeface="Calibri" panose="020F0502020204030204" pitchFamily="34" charset="0"/>
-                  </a:rPr>
-                  <a:t>В типичных условиях она варьирует от 0,01 до 0,1 M</a:t>
-                </a:r>
-                <a:r>
-                  <a:rPr lang="ru-RU" sz="1600" dirty="0">
-                    <a:effectLst/>
-                    <a:latin typeface="Cambria Math" panose="02040503050406030204" pitchFamily="18" charset="0"/>
-                    <a:ea typeface="Calibri" panose="020F0502020204030204" pitchFamily="34" charset="0"/>
-                    <a:cs typeface="Cambria Math" panose="02040503050406030204" pitchFamily="18" charset="0"/>
-                  </a:rPr>
-                  <a:t>⊕ (Земной массы)</a:t>
-                </a:r>
-                <a:r>
-                  <a:rPr lang="ru-RU" sz="1600" dirty="0">
-                    <a:effectLst/>
-                    <a:latin typeface="Times New Roman" panose="02020603050405020304" pitchFamily="18" charset="0"/>
-                    <a:ea typeface="Calibri" panose="020F0502020204030204" pitchFamily="34" charset="0"/>
-                  </a:rPr>
-                  <a:t> — это уже является протопланетой.</a:t>
-                </a:r>
-                <a:endParaRPr lang="ru-RU" dirty="0"/>
-              </a:p>
-            </p:txBody>
-          </p:sp>
-        </mc:Choice>
-        <mc:Fallback>
-          <p:sp>
-            <p:nvSpPr>
-              <p:cNvPr id="3" name="Объект 2">
-                <a:extLst>
-                  <a:ext uri="{FF2B5EF4-FFF2-40B4-BE49-F238E27FC236}">
-                    <a16:creationId xmlns:a16="http://schemas.microsoft.com/office/drawing/2014/main" id="{C234DCAE-03F7-4409-0BEB-C69A8460BA7D}"/>
-                  </a:ext>
-                </a:extLst>
-              </p:cNvPr>
-              <p:cNvSpPr>
-                <a:spLocks noGrp="1" noRot="1" noChangeAspect="1" noMove="1" noResize="1" noEditPoints="1" noAdjustHandles="1" noChangeArrowheads="1" noChangeShapeType="1" noTextEdit="1"/>
-              </p:cNvSpPr>
-              <p:nvPr>
-                <p:ph idx="1"/>
-              </p:nvPr>
-            </p:nvSpPr>
-            <p:spPr>
-              <a:xfrm>
-                <a:off x="5279472" y="1828801"/>
-                <a:ext cx="5844760" cy="3866048"/>
-              </a:xfrm>
-              <a:blipFill>
-                <a:blip r:embed="rId4"/>
-                <a:stretch>
-                  <a:fillRect/>
-                </a:stretch>
-              </a:blipFill>
-            </p:spPr>
-            <p:txBody>
-              <a:bodyPr/>
-              <a:lstStyle/>
-              <a:p>
-                <a:r>
-                  <a:rPr lang="ru-RU">
-                    <a:noFill/>
-                  </a:rPr>
-                  <a:t> </a:t>
-                </a:r>
-              </a:p>
-            </p:txBody>
-          </p:sp>
-        </mc:Fallback>
-      </mc:AlternateContent>
-      <p:pic>
-        <p:nvPicPr>
-          <p:cNvPr id="6" name="Рисунок 5">
-            <a:extLst>
-              <a:ext uri="{FF2B5EF4-FFF2-40B4-BE49-F238E27FC236}">
-                <a16:creationId xmlns:a16="http://schemas.microsoft.com/office/drawing/2014/main" id="{A3926318-BE8B-1D58-DD08-57E80B9CA881}"/>
-              </a:ext>
-            </a:extLst>
-          </p:cNvPr>
-          <p:cNvPicPr>
-            <a:picLocks noChangeAspect="1"/>
-          </p:cNvPicPr>
-          <p:nvPr/>
-        </p:nvPicPr>
-        <p:blipFill>
-          <a:blip r:embed="rId5"/>
-          <a:stretch>
-            <a:fillRect/>
-          </a:stretch>
-        </p:blipFill>
-        <p:spPr>
-          <a:xfrm>
-            <a:off x="234323" y="2366962"/>
-            <a:ext cx="4476750" cy="2124075"/>
-          </a:xfrm>
-          <a:prstGeom prst="rect">
-            <a:avLst/>
-          </a:prstGeom>
-        </p:spPr>
-      </p:pic>
-    </p:spTree>
-    <p:extLst>
-      <p:ext uri="{BB962C8B-B14F-4D97-AF65-F5344CB8AC3E}">
-        <p14:creationId xmlns:p14="http://schemas.microsoft.com/office/powerpoint/2010/main" val="2150340586"/>
-      </p:ext>
-    </p:extLst>
-  </p:cSld>
-  <p:clrMapOvr>
-    <a:masterClrMapping/>
-  </p:clrMapOvr>
-</p:sld>
-</file>
-
-<file path=ppt/slides/slide5.xml><?xml version="1.0" encoding="utf-8"?>
-<p:sld xmlns:a="http://schemas.openxmlformats.org/drawingml/2006/main" xmlns:r="http://schemas.openxmlformats.org/officeDocument/2006/relationships" xmlns:p="http://schemas.openxmlformats.org/presentationml/2006/main">
-  <p:cSld>
-    <p:spTree>
-      <p:nvGrpSpPr>
-        <p:cNvPr id="1" name=""/>
-        <p:cNvGrpSpPr/>
-        <p:nvPr/>
-      </p:nvGrpSpPr>
-      <p:grpSpPr>
-        <a:xfrm>
-          <a:off x="0" y="0"/>
-          <a:ext cx="0" cy="0"/>
-          <a:chOff x="0" y="0"/>
-          <a:chExt cx="0" cy="0"/>
-        </a:xfrm>
-      </p:grpSpPr>
-      <p:sp>
-        <p:nvSpPr>
-          <p:cNvPr id="2" name="Заголовок 1">
-            <a:extLst>
-              <a:ext uri="{FF2B5EF4-FFF2-40B4-BE49-F238E27FC236}">
-                <a16:creationId xmlns:a16="http://schemas.microsoft.com/office/drawing/2014/main" id="{C44BDF7C-653C-2033-A036-8E01B458C011}"/>
-              </a:ext>
-            </a:extLst>
-          </p:cNvPr>
-          <p:cNvSpPr>
-            <a:spLocks noGrp="1"/>
-          </p:cNvSpPr>
-          <p:nvPr>
-            <p:ph type="title"/>
-          </p:nvPr>
-        </p:nvSpPr>
-        <p:spPr/>
-        <p:txBody>
-          <a:bodyPr/>
-          <a:lstStyle/>
-          <a:p>
-            <a:r>
-              <a:rPr lang="ru-RU" dirty="0"/>
-              <a:t>Развитие газовых гигантов</a:t>
-            </a:r>
-          </a:p>
-        </p:txBody>
-      </p:sp>
-      <mc:AlternateContent xmlns:mc="http://schemas.openxmlformats.org/markup-compatibility/2006">
-        <mc:Choice xmlns:a14="http://schemas.microsoft.com/office/drawing/2010/main" Requires="a14">
-          <p:sp>
-            <p:nvSpPr>
-              <p:cNvPr id="3" name="Объект 2">
-                <a:extLst>
-                  <a:ext uri="{FF2B5EF4-FFF2-40B4-BE49-F238E27FC236}">
-                    <a16:creationId xmlns:a16="http://schemas.microsoft.com/office/drawing/2014/main" id="{B96178CF-BB26-D6EE-90CA-CF875C3B3411}"/>
-                  </a:ext>
-                </a:extLst>
-              </p:cNvPr>
-              <p:cNvSpPr>
-                <a:spLocks noGrp="1"/>
-              </p:cNvSpPr>
-              <p:nvPr>
-                <p:ph idx="1"/>
-              </p:nvPr>
-            </p:nvSpPr>
-            <p:spPr/>
-            <p:txBody>
-              <a:bodyPr>
-                <a:normAutofit fontScale="92500" lnSpcReduction="20000"/>
+                <a:normAutofit fontScale="70000" lnSpcReduction="20000"/>
               </a:bodyPr>
               <a:lstStyle/>
               <a:p>
@@ -8680,7 +8163,7 @@
                   </a:rPr>
                   <a:t>, а охлаждение происходит только за счёт излучения. (4) — уравнения состояние газа.</a:t>
                 </a:r>
-                <a:endParaRPr lang="ru-RU" dirty="0"/>
+                <a:endParaRPr lang="ru-RU" sz="1800" dirty="0"/>
               </a:p>
             </p:txBody>
           </p:sp>
@@ -8691,7 +8174,7 @@
               <p:cNvPr id="3" name="Объект 2">
                 <a:extLst>
                   <a:ext uri="{FF2B5EF4-FFF2-40B4-BE49-F238E27FC236}">
-                    <a16:creationId xmlns:a16="http://schemas.microsoft.com/office/drawing/2014/main" id="{B96178CF-BB26-D6EE-90CA-CF875C3B3411}"/>
+                    <a16:creationId xmlns:a16="http://schemas.microsoft.com/office/drawing/2014/main" id="{C234DCAE-03F7-4409-0BEB-C69A8460BA7D}"/>
                   </a:ext>
                 </a:extLst>
               </p:cNvPr>
@@ -8703,8 +8186,12 @@
               </p:nvPr>
             </p:nvSpPr>
             <p:spPr>
+              <a:xfrm>
+                <a:off x="5279472" y="1828801"/>
+                <a:ext cx="5844760" cy="3866048"/>
+              </a:xfrm>
               <a:blipFill>
-                <a:blip r:embed="rId2"/>
+                <a:blip r:embed="rId4"/>
                 <a:stretch>
                   <a:fillRect/>
                 </a:stretch>
@@ -8725,10 +8212,40 @@
           </p:sp>
         </mc:Fallback>
       </mc:AlternateContent>
+      <p:pic>
+        <p:nvPicPr>
+          <p:cNvPr id="6" name="Рисунок 5">
+            <a:extLst>
+              <a:ext uri="{FF2B5EF4-FFF2-40B4-BE49-F238E27FC236}">
+                <a16:creationId xmlns:a16="http://schemas.microsoft.com/office/drawing/2014/main" id="{A3926318-BE8B-1D58-DD08-57E80B9CA881}"/>
+              </a:ext>
+            </a:extLst>
+          </p:cNvPr>
+          <p:cNvPicPr>
+            <a:picLocks noChangeAspect="1"/>
+          </p:cNvPicPr>
+          <p:nvPr/>
+        </p:nvPicPr>
+        <p:blipFill>
+          <a:blip r:embed="rId5"/>
+          <a:stretch>
+            <a:fillRect/>
+          </a:stretch>
+        </p:blipFill>
+        <p:spPr>
+          <a:xfrm>
+            <a:off x="234323" y="2366962"/>
+            <a:ext cx="4476750" cy="2124075"/>
+          </a:xfrm>
+          <a:prstGeom prst="rect">
+            <a:avLst/>
+          </a:prstGeom>
+        </p:spPr>
+      </p:pic>
     </p:spTree>
     <p:extLst>
       <p:ext uri="{BB962C8B-B14F-4D97-AF65-F5344CB8AC3E}">
-        <p14:creationId xmlns:p14="http://schemas.microsoft.com/office/powerpoint/2010/main" val="1367852688"/>
+        <p14:creationId xmlns:p14="http://schemas.microsoft.com/office/powerpoint/2010/main" val="2150340586"/>
       </p:ext>
     </p:extLst>
   </p:cSld>
@@ -8738,7 +8255,7 @@
 </p:sld>
 </file>
 
-<file path=ppt/slides/slide6.xml><?xml version="1.0" encoding="utf-8"?>
+<file path=ppt/slides/slide5.xml><?xml version="1.0" encoding="utf-8"?>
 <p:sld xmlns:a="http://schemas.openxmlformats.org/drawingml/2006/main" xmlns:r="http://schemas.openxmlformats.org/officeDocument/2006/relationships" xmlns:p="http://schemas.openxmlformats.org/presentationml/2006/main">
   <p:cSld>
     <p:spTree>
@@ -8790,8 +8307,8 @@
           </a:p>
         </p:txBody>
       </p:sp>
-      <mc:AlternateContent xmlns:mc="http://schemas.openxmlformats.org/markup-compatibility/2006">
-        <mc:Choice xmlns:a14="http://schemas.microsoft.com/office/drawing/2010/main" Requires="a14">
+      <mc:AlternateContent xmlns:mc="http://schemas.openxmlformats.org/markup-compatibility/2006" xmlns:a14="http://schemas.microsoft.com/office/drawing/2010/main">
+        <mc:Choice Requires="a14">
           <p:sp>
             <p:nvSpPr>
               <p:cNvPr id="3" name="Объект 2">
@@ -8894,7 +8411,7 @@
             </p:txBody>
           </p:sp>
         </mc:Choice>
-        <mc:Fallback>
+        <mc:Fallback xmlns="">
           <p:sp>
             <p:nvSpPr>
               <p:cNvPr id="3" name="Объект 2">
@@ -8947,7 +8464,7 @@
 </p:sld>
 </file>
 
-<file path=ppt/slides/slide7.xml><?xml version="1.0" encoding="utf-8"?>
+<file path=ppt/slides/slide6.xml><?xml version="1.0" encoding="utf-8"?>
 <p:sld xmlns:a="http://schemas.openxmlformats.org/drawingml/2006/main" xmlns:r="http://schemas.openxmlformats.org/officeDocument/2006/relationships" xmlns:p="http://schemas.openxmlformats.org/presentationml/2006/main">
   <p:cSld>
     <p:spTree>
@@ -8994,8 +8511,8 @@
           </a:p>
         </p:txBody>
       </p:sp>
-      <mc:AlternateContent xmlns:mc="http://schemas.openxmlformats.org/markup-compatibility/2006">
-        <mc:Choice xmlns:a14="http://schemas.microsoft.com/office/drawing/2010/main" Requires="a14">
+      <mc:AlternateContent xmlns:mc="http://schemas.openxmlformats.org/markup-compatibility/2006" xmlns:a14="http://schemas.microsoft.com/office/drawing/2010/main">
+        <mc:Choice Requires="a14">
           <p:sp>
             <p:nvSpPr>
               <p:cNvPr id="3" name="Объект 2">
@@ -9164,7 +8681,7 @@
             </p:txBody>
           </p:sp>
         </mc:Choice>
-        <mc:Fallback>
+        <mc:Fallback xmlns="">
           <p:sp>
             <p:nvSpPr>
               <p:cNvPr id="3" name="Объект 2">
@@ -9217,7 +8734,7 @@
 </p:sld>
 </file>
 
-<file path=ppt/slides/slide8.xml><?xml version="1.0" encoding="utf-8"?>
+<file path=ppt/slides/slide7.xml><?xml version="1.0" encoding="utf-8"?>
 <p:sld xmlns:a="http://schemas.openxmlformats.org/drawingml/2006/main" xmlns:r="http://schemas.openxmlformats.org/officeDocument/2006/relationships" xmlns:p="http://schemas.openxmlformats.org/presentationml/2006/main">
   <p:cSld>
     <p:spTree>
